--- a/imgs/relay.pptx
+++ b/imgs/relay.pptx
@@ -3908,9 +3908,10 @@
             <a:p>
               <a:pPr algn="ctr"/>
               <a:r>
-                <a:rPr kumimoji="1" lang="en-US" altLang="ja-JP" dirty="0" smtClean="0"/>
-                <a:t>SocketService.js</a:t>
+                <a:rPr lang="en-US" altLang="ja-JP" dirty="0"/>
+                <a:t>RelayServer.js</a:t>
               </a:r>
+              <a:endParaRPr kumimoji="1" lang="en-US" altLang="ja-JP" dirty="0" smtClean="0"/>
             </a:p>
           </p:txBody>
         </p:sp>
@@ -4178,9 +4179,10 @@
             <a:p>
               <a:pPr algn="ctr"/>
               <a:r>
-                <a:rPr kumimoji="1" lang="en-US" altLang="ja-JP" dirty="0" smtClean="0"/>
-                <a:t>SocketService.js</a:t>
+                <a:rPr lang="en-US" altLang="ja-JP" dirty="0"/>
+                <a:t>RelayServer.js</a:t>
               </a:r>
+              <a:endParaRPr kumimoji="1" lang="en-US" altLang="ja-JP" dirty="0" smtClean="0"/>
             </a:p>
           </p:txBody>
         </p:sp>
